--- a/Hvordan gikk det med ungdom som vokste opp i Trøndelag ved årtusenskiftet/ppt/Namdalen.pptx
+++ b/Hvordan gikk det med ungdom som vokste opp i Trøndelag ved årtusenskiftet/ppt/Namdalen.pptx
@@ -2,20 +2,20 @@
 <file path=ppt/presentation.xml><?xml version="1.0" encoding="utf-8"?>
 <p:presentation xmlns:a="http://schemas.openxmlformats.org/drawingml/2006/main" xmlns:r="http://schemas.openxmlformats.org/officeDocument/2006/relationships" xmlns:p="http://schemas.openxmlformats.org/presentationml/2006/main" saveSubsetFonts="1">
   <p:sldMasterIdLst>
-    <p:sldMasterId id="2147483660" r:id="rId1"/>
+    <p:sldMasterId id="2147483660" r:id="rId4"/>
   </p:sldMasterIdLst>
   <p:notesMasterIdLst>
-    <p:notesMasterId r:id="rId10"/>
+    <p:notesMasterId r:id="rId13"/>
   </p:notesMasterIdLst>
   <p:sldIdLst>
-    <p:sldId id="3438" r:id="rId2"/>
-    <p:sldId id="3439" r:id="rId3"/>
-    <p:sldId id="3441" r:id="rId4"/>
-    <p:sldId id="3442" r:id="rId5"/>
-    <p:sldId id="3443" r:id="rId6"/>
-    <p:sldId id="3444" r:id="rId7"/>
-    <p:sldId id="3445" r:id="rId8"/>
-    <p:sldId id="258" r:id="rId9"/>
+    <p:sldId id="3438" r:id="rId5"/>
+    <p:sldId id="3439" r:id="rId6"/>
+    <p:sldId id="3441" r:id="rId7"/>
+    <p:sldId id="3442" r:id="rId8"/>
+    <p:sldId id="3443" r:id="rId9"/>
+    <p:sldId id="3444" r:id="rId10"/>
+    <p:sldId id="3445" r:id="rId11"/>
+    <p:sldId id="258" r:id="rId12"/>
   </p:sldIdLst>
   <p:sldSz cx="12192000" cy="6858000"/>
   <p:notesSz cx="6858000" cy="9144000"/>
@@ -122,16 +122,40 @@
 </p:presentation>
 </file>
 
-<file path=ppt/revisionInfo.xml><?xml version="1.0" encoding="utf-8"?>
-<p1510:revInfo xmlns:a="http://schemas.openxmlformats.org/drawingml/2006/main" xmlns:r="http://schemas.openxmlformats.org/officeDocument/2006/relationships" xmlns:p1510="http://schemas.microsoft.com/office/powerpoint/2015/10/main">
-  <p1510:revLst>
-    <p1510:client id="{3B6D1238-E55F-4A37-A94F-C1699659EAE6}" v="24" dt="2023-03-13T07:39:33.268"/>
-  </p1510:revLst>
-</p1510:revInfo>
-</file>
-
 <file path=ppt/changesInfos/changesInfo1.xml><?xml version="1.0" encoding="utf-8"?>
 <pc:chgInfo xmlns:a="http://schemas.openxmlformats.org/drawingml/2006/main" xmlns:r="http://schemas.openxmlformats.org/officeDocument/2006/relationships" xmlns:ac="http://schemas.microsoft.com/office/drawing/2013/main/command" xmlns:pc="http://schemas.microsoft.com/office/powerpoint/2013/main/command">
+  <pc:docChgLst>
+    <pc:chgData name="Jon Olav Sliper" userId="bac1fa31-6bb6-40e0-9a77-a72414f81536" providerId="ADAL" clId="{420DE6FF-C3EB-49A1-B37A-04905C314299}"/>
+    <pc:docChg chg="custSel modSld">
+      <pc:chgData name="Jon Olav Sliper" userId="bac1fa31-6bb6-40e0-9a77-a72414f81536" providerId="ADAL" clId="{420DE6FF-C3EB-49A1-B37A-04905C314299}" dt="2023-03-14T11:23:55.605" v="1" actId="478"/>
+      <pc:docMkLst>
+        <pc:docMk/>
+      </pc:docMkLst>
+      <pc:sldChg chg="addSp delSp modSp mod">
+        <pc:chgData name="Jon Olav Sliper" userId="bac1fa31-6bb6-40e0-9a77-a72414f81536" providerId="ADAL" clId="{420DE6FF-C3EB-49A1-B37A-04905C314299}" dt="2023-03-14T11:23:55.605" v="1" actId="478"/>
+        <pc:sldMkLst>
+          <pc:docMk/>
+          <pc:sldMk cId="2240289989" sldId="3438"/>
+        </pc:sldMkLst>
+        <pc:spChg chg="del">
+          <ac:chgData name="Jon Olav Sliper" userId="bac1fa31-6bb6-40e0-9a77-a72414f81536" providerId="ADAL" clId="{420DE6FF-C3EB-49A1-B37A-04905C314299}" dt="2023-03-14T11:23:51.610" v="0" actId="478"/>
+          <ac:spMkLst>
+            <pc:docMk/>
+            <pc:sldMk cId="2240289989" sldId="3438"/>
+            <ac:spMk id="2" creationId="{A70BDCCE-D435-EDAD-87DA-46B8DA4A996D}"/>
+          </ac:spMkLst>
+        </pc:spChg>
+        <pc:spChg chg="add del mod">
+          <ac:chgData name="Jon Olav Sliper" userId="bac1fa31-6bb6-40e0-9a77-a72414f81536" providerId="ADAL" clId="{420DE6FF-C3EB-49A1-B37A-04905C314299}" dt="2023-03-14T11:23:55.605" v="1" actId="478"/>
+          <ac:spMkLst>
+            <pc:docMk/>
+            <pc:sldMk cId="2240289989" sldId="3438"/>
+            <ac:spMk id="5" creationId="{54491C2A-03DF-1232-9FF3-1ED116386C1A}"/>
+          </ac:spMkLst>
+        </pc:spChg>
+      </pc:sldChg>
+    </pc:docChg>
+  </pc:docChgLst>
   <pc:docChgLst>
     <pc:chgData name="Jon Olav Sliper" userId="bac1fa31-6bb6-40e0-9a77-a72414f81536" providerId="ADAL" clId="{3B6D1238-E55F-4A37-A94F-C1699659EAE6}"/>
     <pc:docChg chg="custSel modSld">
@@ -280,7 +304,7 @@
           <a:p>
             <a:fld id="{43F1047C-1F96-4D6B-B429-095659849B02}" type="datetimeFigureOut">
               <a:rPr lang="nb-NO" smtClean="0"/>
-              <a:t>10.03.2023</a:t>
+              <a:t>14.03.2023</a:t>
             </a:fld>
             <a:endParaRPr lang="nb-NO"/>
           </a:p>
@@ -975,7 +999,7 @@
           <a:p>
             <a:fld id="{6A1A0E74-B8A8-4360-A367-9FF538085BF2}" type="datetimeFigureOut">
               <a:rPr lang="nb-NO" smtClean="0"/>
-              <a:t>10.03.2023</a:t>
+              <a:t>14.03.2023</a:t>
             </a:fld>
             <a:endParaRPr lang="nb-NO"/>
           </a:p>
@@ -1070,7 +1094,7 @@
           <a:p>
             <a:fld id="{6A1A0E74-B8A8-4360-A367-9FF538085BF2}" type="datetimeFigureOut">
               <a:rPr lang="nb-NO" smtClean="0"/>
-              <a:t>10.03.2023</a:t>
+              <a:t>14.03.2023</a:t>
             </a:fld>
             <a:endParaRPr lang="nb-NO"/>
           </a:p>
@@ -1605,7 +1629,7 @@
           <a:p>
             <a:fld id="{6A1A0E74-B8A8-4360-A367-9FF538085BF2}" type="datetimeFigureOut">
               <a:rPr lang="nb-NO" smtClean="0"/>
-              <a:t>10.03.2023</a:t>
+              <a:t>14.03.2023</a:t>
             </a:fld>
             <a:endParaRPr lang="nb-NO"/>
           </a:p>
@@ -1816,7 +1840,7 @@
           <a:p>
             <a:fld id="{6A1A0E74-B8A8-4360-A367-9FF538085BF2}" type="datetimeFigureOut">
               <a:rPr lang="nb-NO" smtClean="0"/>
-              <a:t>10.03.2023</a:t>
+              <a:t>14.03.2023</a:t>
             </a:fld>
             <a:endParaRPr lang="nb-NO"/>
           </a:p>
@@ -2385,7 +2409,7 @@
           <a:p>
             <a:fld id="{6A1A0E74-B8A8-4360-A367-9FF538085BF2}" type="datetimeFigureOut">
               <a:rPr lang="nb-NO" smtClean="0"/>
-              <a:t>10.03.2023</a:t>
+              <a:t>14.03.2023</a:t>
             </a:fld>
             <a:endParaRPr lang="nb-NO"/>
           </a:p>
@@ -2561,7 +2585,7 @@
           <a:p>
             <a:fld id="{6A1A0E74-B8A8-4360-A367-9FF538085BF2}" type="datetimeFigureOut">
               <a:rPr lang="nb-NO" smtClean="0"/>
-              <a:t>10.03.2023</a:t>
+              <a:t>14.03.2023</a:t>
             </a:fld>
             <a:endParaRPr lang="nb-NO"/>
           </a:p>
@@ -2894,7 +2918,7 @@
           <a:p>
             <a:fld id="{6A1A0E74-B8A8-4360-A367-9FF538085BF2}" type="datetimeFigureOut">
               <a:rPr lang="nb-NO" smtClean="0"/>
-              <a:t>10.03.2023</a:t>
+              <a:t>14.03.2023</a:t>
             </a:fld>
             <a:endParaRPr lang="nb-NO"/>
           </a:p>
@@ -3073,7 +3097,7 @@
           <a:p>
             <a:fld id="{6A1A0E74-B8A8-4360-A367-9FF538085BF2}" type="datetimeFigureOut">
               <a:rPr lang="nb-NO" smtClean="0"/>
-              <a:t>10.03.2023</a:t>
+              <a:t>14.03.2023</a:t>
             </a:fld>
             <a:endParaRPr lang="nb-NO"/>
           </a:p>
@@ -3339,7 +3363,7 @@
           <a:p>
             <a:fld id="{6A1A0E74-B8A8-4360-A367-9FF538085BF2}" type="datetimeFigureOut">
               <a:rPr lang="nb-NO" smtClean="0"/>
-              <a:t>10.03.2023</a:t>
+              <a:t>14.03.2023</a:t>
             </a:fld>
             <a:endParaRPr lang="nb-NO"/>
           </a:p>
@@ -3636,7 +3660,7 @@
             <a:fld id="{6A1A0E74-B8A8-4360-A367-9FF538085BF2}" type="datetimeFigureOut">
               <a:rPr lang="nb-NO" smtClean="0"/>
               <a:pPr/>
-              <a:t>10.03.2023</a:t>
+              <a:t>14.03.2023</a:t>
             </a:fld>
             <a:endParaRPr lang="nb-NO"/>
           </a:p>
@@ -4178,34 +4202,6 @@
           <a:chExt cx="0" cy="0"/>
         </a:xfrm>
       </p:grpSpPr>
-      <p:sp>
-        <p:nvSpPr>
-          <p:cNvPr id="2" name="Tittel 1">
-            <a:extLst>
-              <a:ext uri="{FF2B5EF4-FFF2-40B4-BE49-F238E27FC236}">
-                <a16:creationId xmlns:a16="http://schemas.microsoft.com/office/drawing/2014/main" id="{A70BDCCE-D435-EDAD-87DA-46B8DA4A996D}"/>
-              </a:ext>
-            </a:extLst>
-          </p:cNvPr>
-          <p:cNvSpPr>
-            <a:spLocks noGrp="1"/>
-          </p:cNvSpPr>
-          <p:nvPr>
-            <p:ph type="ctrTitle"/>
-          </p:nvPr>
-        </p:nvSpPr>
-        <p:spPr/>
-        <p:txBody>
-          <a:bodyPr/>
-          <a:lstStyle/>
-          <a:p>
-            <a:r>
-              <a:rPr lang="nb-NO" dirty="0"/>
-              <a:t>Først litt lek med tall </a:t>
-            </a:r>
-          </a:p>
-        </p:txBody>
-      </p:sp>
       <p:sp>
         <p:nvSpPr>
           <p:cNvPr id="3" name="Undertittel 2">
@@ -5566,6 +5562,15 @@
 </file>
 
 <file path=customXml/item1.xml><?xml version="1.0" encoding="utf-8"?>
+<?mso-contentType ?>
+<FormTemplates xmlns="http://schemas.microsoft.com/sharepoint/v3/contenttype/forms">
+  <Display>DocumentLibraryForm</Display>
+  <Edit>DocumentLibraryForm</Edit>
+  <New>DocumentLibraryForm</New>
+</FormTemplates>
+</file>
+
+<file path=customXml/item2.xml><?xml version="1.0" encoding="utf-8"?>
 <ct:contentTypeSchema xmlns:ct="http://schemas.microsoft.com/office/2006/metadata/contentType" xmlns:ma="http://schemas.microsoft.com/office/2006/metadata/properties/metaAttributes" ct:_="" ma:_="" ma:contentTypeName="Dokument" ma:contentTypeID="0x0101005BAF6522D6B39A4F809F4AA1655E5CD6" ma:contentTypeVersion="15" ma:contentTypeDescription="Opprett et nytt dokument." ma:contentTypeScope="" ma:versionID="5d2df7d88173eed2472aac31f58c6f9b">
   <xsd:schema xmlns:xsd="http://www.w3.org/2001/XMLSchema" xmlns:xs="http://www.w3.org/2001/XMLSchema" xmlns:p="http://schemas.microsoft.com/office/2006/metadata/properties" xmlns:ns1="http://schemas.microsoft.com/sharepoint/v3" xmlns:ns2="712f17e0-2077-4e3f-8ea2-c75d02de46ee" xmlns:ns3="4c1e125b-b772-4d2d-8af8-eec310c9bc7c" targetNamespace="http://schemas.microsoft.com/office/2006/metadata/properties" ma:root="true" ma:fieldsID="020ddd7b595e894bbf41ffe05b9a61ec" ns1:_="" ns2:_="" ns3:_="">
     <xsd:import namespace="http://schemas.microsoft.com/sharepoint/v3"/>
@@ -5797,15 +5802,6 @@
 </ct:contentTypeSchema>
 </file>
 
-<file path=customXml/item2.xml><?xml version="1.0" encoding="utf-8"?>
-<?mso-contentType ?>
-<FormTemplates xmlns="http://schemas.microsoft.com/sharepoint/v3/contenttype/forms">
-  <Display>DocumentLibraryForm</Display>
-  <Edit>DocumentLibraryForm</Edit>
-  <New>DocumentLibraryForm</New>
-</FormTemplates>
-</file>
-
 <file path=customXml/item3.xml><?xml version="1.0" encoding="utf-8"?>
 <p:properties xmlns:p="http://schemas.microsoft.com/office/2006/metadata/properties" xmlns:xsi="http://www.w3.org/2001/XMLSchema-instance" xmlns:pc="http://schemas.microsoft.com/office/infopath/2007/PartnerControls">
   <documentManagement>
@@ -5820,13 +5816,41 @@
 </file>
 
 <file path=customXml/itemProps1.xml><?xml version="1.0" encoding="utf-8"?>
-<ds:datastoreItem xmlns:ds="http://schemas.openxmlformats.org/officeDocument/2006/customXml" ds:itemID="{6893E88D-3A57-4039-89EA-B65DFDF9B5D6}"/>
+<ds:datastoreItem xmlns:ds="http://schemas.openxmlformats.org/officeDocument/2006/customXml" ds:itemID="{47567C2B-40BC-4042-A3DE-1B8A2E686541}">
+  <ds:schemaRefs>
+    <ds:schemaRef ds:uri="http://schemas.microsoft.com/sharepoint/v3/contenttype/forms"/>
+  </ds:schemaRefs>
+</ds:datastoreItem>
 </file>
 
 <file path=customXml/itemProps2.xml><?xml version="1.0" encoding="utf-8"?>
-<ds:datastoreItem xmlns:ds="http://schemas.openxmlformats.org/officeDocument/2006/customXml" ds:itemID="{47567C2B-40BC-4042-A3DE-1B8A2E686541}"/>
+<ds:datastoreItem xmlns:ds="http://schemas.openxmlformats.org/officeDocument/2006/customXml" ds:itemID="{6893E88D-3A57-4039-89EA-B65DFDF9B5D6}">
+  <ds:schemaRefs>
+    <ds:schemaRef ds:uri="http://schemas.microsoft.com/office/2006/metadata/contentType"/>
+    <ds:schemaRef ds:uri="http://schemas.microsoft.com/office/2006/metadata/properties/metaAttributes"/>
+    <ds:schemaRef ds:uri="http://www.w3.org/2001/XMLSchema"/>
+    <ds:schemaRef ds:uri="http://schemas.microsoft.com/office/2006/metadata/properties"/>
+    <ds:schemaRef ds:uri="http://schemas.microsoft.com/sharepoint/v3"/>
+    <ds:schemaRef ds:uri="712f17e0-2077-4e3f-8ea2-c75d02de46ee"/>
+    <ds:schemaRef ds:uri="4c1e125b-b772-4d2d-8af8-eec310c9bc7c"/>
+    <ds:schemaRef ds:uri="http://schemas.microsoft.com/office/2006/documentManagement/types"/>
+    <ds:schemaRef ds:uri="http://schemas.microsoft.com/office/infopath/2007/PartnerControls"/>
+    <ds:schemaRef ds:uri="http://schemas.openxmlformats.org/package/2006/metadata/core-properties"/>
+    <ds:schemaRef ds:uri="http://purl.org/dc/elements/1.1/"/>
+    <ds:schemaRef ds:uri="http://purl.org/dc/terms/"/>
+    <ds:schemaRef ds:uri="http://schemas.microsoft.com/internal/obd"/>
+  </ds:schemaRefs>
+</ds:datastoreItem>
 </file>
 
 <file path=customXml/itemProps3.xml><?xml version="1.0" encoding="utf-8"?>
-<ds:datastoreItem xmlns:ds="http://schemas.openxmlformats.org/officeDocument/2006/customXml" ds:itemID="{40214002-575F-4F3F-9FCE-C0732DA87BC2}"/>
+<ds:datastoreItem xmlns:ds="http://schemas.openxmlformats.org/officeDocument/2006/customXml" ds:itemID="{40214002-575F-4F3F-9FCE-C0732DA87BC2}">
+  <ds:schemaRefs>
+    <ds:schemaRef ds:uri="http://schemas.microsoft.com/office/2006/metadata/properties"/>
+    <ds:schemaRef ds:uri="http://schemas.microsoft.com/office/infopath/2007/PartnerControls"/>
+    <ds:schemaRef ds:uri="4c1e125b-b772-4d2d-8af8-eec310c9bc7c"/>
+    <ds:schemaRef ds:uri="http://schemas.microsoft.com/sharepoint/v3"/>
+    <ds:schemaRef ds:uri="712f17e0-2077-4e3f-8ea2-c75d02de46ee"/>
+  </ds:schemaRefs>
+</ds:datastoreItem>
 </file>